--- a/docs/diagrams/UiComponentClassDiagram.pptx
+++ b/docs/diagrams/UiComponentClassDiagram.pptx
@@ -109,7 +109,7 @@
   </p:defaultTextStyle>
   <p:extLst>
     <p:ext uri="{EFAFB233-063F-42B5-8137-9DF3F51BA10A}">
-      <p15:sldGuideLst xmlns:p15="http://schemas.microsoft.com/office/powerpoint/2012/main">
+      <p15:sldGuideLst xmlns:p15="http://schemas.microsoft.com/office/powerpoint/2012/main" xmlns="">
         <p15:guide id="1" orient="horz" pos="1488">
           <p15:clr>
             <a:srgbClr val="A4A3A4"/>
@@ -208,7 +208,7 @@
           <a:p>
             <a:fld id="{F5CC4B3F-88C1-4FFA-B1B6-F41C21DC6924}" type="datetimeFigureOut">
               <a:rPr lang="en-US" smtClean="0"/>
-              <a:t>1/7/2017</a:t>
+              <a:t>3/17/2018</a:t>
             </a:fld>
             <a:endParaRPr lang="en-US"/>
           </a:p>
@@ -654,7 +654,7 @@
           <a:p>
             <a:fld id="{78C97017-6FC3-485B-9764-EAC9E56C1D49}" type="datetimeFigureOut">
               <a:rPr lang="en-US" smtClean="0"/>
-              <a:t>1/7/2017</a:t>
+              <a:t>3/17/2018</a:t>
             </a:fld>
             <a:endParaRPr lang="en-US"/>
           </a:p>
@@ -822,7 +822,7 @@
           <a:p>
             <a:fld id="{78C97017-6FC3-485B-9764-EAC9E56C1D49}" type="datetimeFigureOut">
               <a:rPr lang="en-US" smtClean="0"/>
-              <a:t>1/7/2017</a:t>
+              <a:t>3/17/2018</a:t>
             </a:fld>
             <a:endParaRPr lang="en-US"/>
           </a:p>
@@ -1000,7 +1000,7 @@
           <a:p>
             <a:fld id="{78C97017-6FC3-485B-9764-EAC9E56C1D49}" type="datetimeFigureOut">
               <a:rPr lang="en-US" smtClean="0"/>
-              <a:t>1/7/2017</a:t>
+              <a:t>3/17/2018</a:t>
             </a:fld>
             <a:endParaRPr lang="en-US"/>
           </a:p>
@@ -1168,7 +1168,7 @@
           <a:p>
             <a:fld id="{78C97017-6FC3-485B-9764-EAC9E56C1D49}" type="datetimeFigureOut">
               <a:rPr lang="en-US" smtClean="0"/>
-              <a:t>1/7/2017</a:t>
+              <a:t>3/17/2018</a:t>
             </a:fld>
             <a:endParaRPr lang="en-US"/>
           </a:p>
@@ -1413,7 +1413,7 @@
           <a:p>
             <a:fld id="{78C97017-6FC3-485B-9764-EAC9E56C1D49}" type="datetimeFigureOut">
               <a:rPr lang="en-US" smtClean="0"/>
-              <a:t>1/7/2017</a:t>
+              <a:t>3/17/2018</a:t>
             </a:fld>
             <a:endParaRPr lang="en-US"/>
           </a:p>
@@ -1698,7 +1698,7 @@
           <a:p>
             <a:fld id="{78C97017-6FC3-485B-9764-EAC9E56C1D49}" type="datetimeFigureOut">
               <a:rPr lang="en-US" smtClean="0"/>
-              <a:t>1/7/2017</a:t>
+              <a:t>3/17/2018</a:t>
             </a:fld>
             <a:endParaRPr lang="en-US"/>
           </a:p>
@@ -2117,7 +2117,7 @@
           <a:p>
             <a:fld id="{78C97017-6FC3-485B-9764-EAC9E56C1D49}" type="datetimeFigureOut">
               <a:rPr lang="en-US" smtClean="0"/>
-              <a:t>1/7/2017</a:t>
+              <a:t>3/17/2018</a:t>
             </a:fld>
             <a:endParaRPr lang="en-US"/>
           </a:p>
@@ -2234,7 +2234,7 @@
           <a:p>
             <a:fld id="{78C97017-6FC3-485B-9764-EAC9E56C1D49}" type="datetimeFigureOut">
               <a:rPr lang="en-US" smtClean="0"/>
-              <a:t>1/7/2017</a:t>
+              <a:t>3/17/2018</a:t>
             </a:fld>
             <a:endParaRPr lang="en-US"/>
           </a:p>
@@ -2329,7 +2329,7 @@
           <a:p>
             <a:fld id="{78C97017-6FC3-485B-9764-EAC9E56C1D49}" type="datetimeFigureOut">
               <a:rPr lang="en-US" smtClean="0"/>
-              <a:t>1/7/2017</a:t>
+              <a:t>3/17/2018</a:t>
             </a:fld>
             <a:endParaRPr lang="en-US"/>
           </a:p>
@@ -2604,7 +2604,7 @@
           <a:p>
             <a:fld id="{78C97017-6FC3-485B-9764-EAC9E56C1D49}" type="datetimeFigureOut">
               <a:rPr lang="en-US" smtClean="0"/>
-              <a:t>1/7/2017</a:t>
+              <a:t>3/17/2018</a:t>
             </a:fld>
             <a:endParaRPr lang="en-US"/>
           </a:p>
@@ -2856,7 +2856,7 @@
           <a:p>
             <a:fld id="{78C97017-6FC3-485B-9764-EAC9E56C1D49}" type="datetimeFigureOut">
               <a:rPr lang="en-US" smtClean="0"/>
-              <a:t>1/7/2017</a:t>
+              <a:t>3/17/2018</a:t>
             </a:fld>
             <a:endParaRPr lang="en-US"/>
           </a:p>
@@ -3067,7 +3067,7 @@
           <a:p>
             <a:fld id="{78C97017-6FC3-485B-9764-EAC9E56C1D49}" type="datetimeFigureOut">
               <a:rPr lang="en-US" smtClean="0"/>
-              <a:t>1/7/2017</a:t>
+              <a:t>3/17/2018</a:t>
             </a:fld>
             <a:endParaRPr lang="en-US"/>
           </a:p>
@@ -4038,16 +4038,16 @@
           <a:p>
             <a:pPr algn="ctr"/>
             <a:r>
-              <a:rPr lang="en-US" sz="1050" b="1" dirty="0" err="1">
+              <a:rPr lang="en-US" sz="900" b="1" dirty="0" err="1" smtClean="0">
                 <a:solidFill>
                   <a:schemeClr val="accent3">
                     <a:lumMod val="75000"/>
                   </a:schemeClr>
                 </a:solidFill>
               </a:rPr>
-              <a:t>PersonListPanel</a:t>
-            </a:r>
-            <a:endParaRPr lang="en-SG" sz="1050" b="1" dirty="0">
+              <a:t>MemberListPanel</a:t>
+            </a:r>
+            <a:endParaRPr lang="en-SG" sz="900" b="1" dirty="0">
               <a:solidFill>
                 <a:schemeClr val="accent3">
                   <a:lumMod val="75000"/>
@@ -4098,14 +4098,14 @@
           <a:p>
             <a:pPr algn="ctr"/>
             <a:r>
-              <a:rPr lang="en-US" sz="1050" b="1" dirty="0" err="1">
+              <a:rPr lang="en-US" sz="1050" b="1" dirty="0" err="1" smtClean="0">
                 <a:solidFill>
                   <a:schemeClr val="accent3">
                     <a:lumMod val="75000"/>
                   </a:schemeClr>
                 </a:solidFill>
               </a:rPr>
-              <a:t>PersonCard</a:t>
+              <a:t>MemberCard</a:t>
             </a:r>
             <a:endParaRPr lang="en-SG" sz="1050" b="1" dirty="0">
               <a:solidFill>

--- a/docs/diagrams/UiComponentClassDiagram.pptx
+++ b/docs/diagrams/UiComponentClassDiagram.pptx
@@ -109,7 +109,7 @@
   </p:defaultTextStyle>
   <p:extLst>
     <p:ext uri="{EFAFB233-063F-42B5-8137-9DF3F51BA10A}">
-      <p15:sldGuideLst xmlns:p15="http://schemas.microsoft.com/office/powerpoint/2012/main" xmlns="">
+      <p15:sldGuideLst xmlns:p15="http://schemas.microsoft.com/office/powerpoint/2012/main">
         <p15:guide id="1" orient="horz" pos="1488">
           <p15:clr>
             <a:srgbClr val="A4A3A4"/>
@@ -208,7 +208,7 @@
           <a:p>
             <a:fld id="{F5CC4B3F-88C1-4FFA-B1B6-F41C21DC6924}" type="datetimeFigureOut">
               <a:rPr lang="en-US" smtClean="0"/>
-              <a:t>3/17/2018</a:t>
+              <a:t>4/13/2018</a:t>
             </a:fld>
             <a:endParaRPr lang="en-US"/>
           </a:p>
@@ -654,7 +654,7 @@
           <a:p>
             <a:fld id="{78C97017-6FC3-485B-9764-EAC9E56C1D49}" type="datetimeFigureOut">
               <a:rPr lang="en-US" smtClean="0"/>
-              <a:t>3/17/2018</a:t>
+              <a:t>4/13/2018</a:t>
             </a:fld>
             <a:endParaRPr lang="en-US"/>
           </a:p>
@@ -822,7 +822,7 @@
           <a:p>
             <a:fld id="{78C97017-6FC3-485B-9764-EAC9E56C1D49}" type="datetimeFigureOut">
               <a:rPr lang="en-US" smtClean="0"/>
-              <a:t>3/17/2018</a:t>
+              <a:t>4/13/2018</a:t>
             </a:fld>
             <a:endParaRPr lang="en-US"/>
           </a:p>
@@ -1000,7 +1000,7 @@
           <a:p>
             <a:fld id="{78C97017-6FC3-485B-9764-EAC9E56C1D49}" type="datetimeFigureOut">
               <a:rPr lang="en-US" smtClean="0"/>
-              <a:t>3/17/2018</a:t>
+              <a:t>4/13/2018</a:t>
             </a:fld>
             <a:endParaRPr lang="en-US"/>
           </a:p>
@@ -1168,7 +1168,7 @@
           <a:p>
             <a:fld id="{78C97017-6FC3-485B-9764-EAC9E56C1D49}" type="datetimeFigureOut">
               <a:rPr lang="en-US" smtClean="0"/>
-              <a:t>3/17/2018</a:t>
+              <a:t>4/13/2018</a:t>
             </a:fld>
             <a:endParaRPr lang="en-US"/>
           </a:p>
@@ -1413,7 +1413,7 @@
           <a:p>
             <a:fld id="{78C97017-6FC3-485B-9764-EAC9E56C1D49}" type="datetimeFigureOut">
               <a:rPr lang="en-US" smtClean="0"/>
-              <a:t>3/17/2018</a:t>
+              <a:t>4/13/2018</a:t>
             </a:fld>
             <a:endParaRPr lang="en-US"/>
           </a:p>
@@ -1698,7 +1698,7 @@
           <a:p>
             <a:fld id="{78C97017-6FC3-485B-9764-EAC9E56C1D49}" type="datetimeFigureOut">
               <a:rPr lang="en-US" smtClean="0"/>
-              <a:t>3/17/2018</a:t>
+              <a:t>4/13/2018</a:t>
             </a:fld>
             <a:endParaRPr lang="en-US"/>
           </a:p>
@@ -2117,7 +2117,7 @@
           <a:p>
             <a:fld id="{78C97017-6FC3-485B-9764-EAC9E56C1D49}" type="datetimeFigureOut">
               <a:rPr lang="en-US" smtClean="0"/>
-              <a:t>3/17/2018</a:t>
+              <a:t>4/13/2018</a:t>
             </a:fld>
             <a:endParaRPr lang="en-US"/>
           </a:p>
@@ -2234,7 +2234,7 @@
           <a:p>
             <a:fld id="{78C97017-6FC3-485B-9764-EAC9E56C1D49}" type="datetimeFigureOut">
               <a:rPr lang="en-US" smtClean="0"/>
-              <a:t>3/17/2018</a:t>
+              <a:t>4/13/2018</a:t>
             </a:fld>
             <a:endParaRPr lang="en-US"/>
           </a:p>
@@ -2329,7 +2329,7 @@
           <a:p>
             <a:fld id="{78C97017-6FC3-485B-9764-EAC9E56C1D49}" type="datetimeFigureOut">
               <a:rPr lang="en-US" smtClean="0"/>
-              <a:t>3/17/2018</a:t>
+              <a:t>4/13/2018</a:t>
             </a:fld>
             <a:endParaRPr lang="en-US"/>
           </a:p>
@@ -2604,7 +2604,7 @@
           <a:p>
             <a:fld id="{78C97017-6FC3-485B-9764-EAC9E56C1D49}" type="datetimeFigureOut">
               <a:rPr lang="en-US" smtClean="0"/>
-              <a:t>3/17/2018</a:t>
+              <a:t>4/13/2018</a:t>
             </a:fld>
             <a:endParaRPr lang="en-US"/>
           </a:p>
@@ -2856,7 +2856,7 @@
           <a:p>
             <a:fld id="{78C97017-6FC3-485B-9764-EAC9E56C1D49}" type="datetimeFigureOut">
               <a:rPr lang="en-US" smtClean="0"/>
-              <a:t>3/17/2018</a:t>
+              <a:t>4/13/2018</a:t>
             </a:fld>
             <a:endParaRPr lang="en-US"/>
           </a:p>
@@ -3067,7 +3067,7 @@
           <a:p>
             <a:fld id="{78C97017-6FC3-485B-9764-EAC9E56C1D49}" type="datetimeFigureOut">
               <a:rPr lang="en-US" smtClean="0"/>
-              <a:t>3/17/2018</a:t>
+              <a:t>4/13/2018</a:t>
             </a:fld>
             <a:endParaRPr lang="en-US"/>
           </a:p>
@@ -3450,8 +3450,8 @@
         </p:nvSpPr>
         <p:spPr>
           <a:xfrm>
-            <a:off x="1217465" y="1447800"/>
-            <a:ext cx="4917083" cy="3962400"/>
+            <a:off x="1238329" y="1477661"/>
+            <a:ext cx="4954735" cy="5227937"/>
           </a:xfrm>
           <a:prstGeom prst="roundRect">
             <a:avLst>
@@ -3918,16 +3918,16 @@
           <a:p>
             <a:pPr algn="ctr"/>
             <a:r>
-              <a:rPr lang="en-US" sz="1050" b="1" dirty="0" err="1">
+              <a:rPr lang="en-US" sz="900" b="1" dirty="0" err="1">
                 <a:solidFill>
                   <a:schemeClr val="accent3">
                     <a:lumMod val="75000"/>
                   </a:schemeClr>
                 </a:solidFill>
               </a:rPr>
-              <a:t>BrowserPanel</a:t>
-            </a:r>
-            <a:endParaRPr lang="en-SG" sz="1050" b="1" dirty="0">
+              <a:t>MemberOverviewPanel</a:t>
+            </a:r>
+            <a:endParaRPr lang="en-SG" sz="900" b="1" dirty="0">
               <a:solidFill>
                 <a:schemeClr val="accent3">
                   <a:lumMod val="75000"/>
@@ -3945,7 +3945,7 @@
         </p:nvSpPr>
         <p:spPr>
           <a:xfrm>
-            <a:off x="2592527" y="4563759"/>
+            <a:off x="2599185" y="5882348"/>
             <a:ext cx="1093635" cy="236841"/>
           </a:xfrm>
           <a:prstGeom prst="rect">
@@ -4038,7 +4038,7 @@
           <a:p>
             <a:pPr algn="ctr"/>
             <a:r>
-              <a:rPr lang="en-US" sz="900" b="1" dirty="0" err="1" smtClean="0">
+              <a:rPr lang="en-US" sz="900" b="1" dirty="0" err="1">
                 <a:solidFill>
                   <a:schemeClr val="accent3">
                     <a:lumMod val="75000"/>
@@ -4098,7 +4098,7 @@
           <a:p>
             <a:pPr algn="ctr"/>
             <a:r>
-              <a:rPr lang="en-US" sz="1050" b="1" dirty="0" err="1" smtClean="0">
+              <a:rPr lang="en-US" sz="1050" b="1" dirty="0" err="1">
                 <a:solidFill>
                   <a:schemeClr val="accent3">
                     <a:lumMod val="75000"/>
@@ -4125,7 +4125,7 @@
         </p:nvSpPr>
         <p:spPr>
           <a:xfrm>
-            <a:off x="2592528" y="4966000"/>
+            <a:off x="2605845" y="6275619"/>
             <a:ext cx="1093635" cy="236841"/>
           </a:xfrm>
           <a:prstGeom prst="rect">
@@ -4419,8 +4419,8 @@
         </p:nvCxnSpPr>
         <p:spPr>
           <a:xfrm rot="16200000" flipH="1">
-            <a:off x="1597249" y="3686901"/>
-            <a:ext cx="1814155" cy="176401"/>
+            <a:off x="941283" y="4342867"/>
+            <a:ext cx="3132744" cy="183059"/>
           </a:xfrm>
           <a:prstGeom prst="bentConnector2">
             <a:avLst/>
@@ -4453,14 +4453,15 @@
         <p:nvCxnSpPr>
           <p:cNvPr id="53" name="Elbow Connector 63"/>
           <p:cNvCxnSpPr>
+            <a:cxnSpLocks/>
             <a:endCxn id="38" idx="1"/>
           </p:cNvCxnSpPr>
           <p:nvPr/>
         </p:nvCxnSpPr>
         <p:spPr>
           <a:xfrm rot="16200000" flipH="1">
-            <a:off x="1184119" y="3676012"/>
-            <a:ext cx="2396440" cy="420377"/>
+            <a:off x="554792" y="4342987"/>
+            <a:ext cx="3706060" cy="396045"/>
           </a:xfrm>
           <a:prstGeom prst="bentConnector2">
             <a:avLst/>
@@ -4743,8 +4744,8 @@
         </p:nvCxnSpPr>
         <p:spPr>
           <a:xfrm rot="5400000">
-            <a:off x="3409976" y="2562187"/>
-            <a:ext cx="2396180" cy="1843807"/>
+            <a:off x="2754011" y="3224810"/>
+            <a:ext cx="3714769" cy="1837149"/>
           </a:xfrm>
           <a:prstGeom prst="bentConnector2">
             <a:avLst/>
@@ -4777,6 +4778,7 @@
         <p:nvCxnSpPr>
           <p:cNvPr id="94" name="Elbow Connector 63"/>
           <p:cNvCxnSpPr>
+            <a:cxnSpLocks/>
             <a:stCxn id="16" idx="3"/>
             <a:endCxn id="38" idx="3"/>
           </p:cNvCxnSpPr>
@@ -4784,8 +4786,8 @@
         </p:nvCxnSpPr>
         <p:spPr>
           <a:xfrm rot="5400000">
-            <a:off x="3208856" y="2763307"/>
-            <a:ext cx="2798421" cy="1843806"/>
+            <a:off x="2560705" y="3424776"/>
+            <a:ext cx="4108040" cy="1830489"/>
           </a:xfrm>
           <a:prstGeom prst="bentConnector2">
             <a:avLst/>
@@ -4863,8 +4865,8 @@
         </p:nvSpPr>
         <p:spPr>
           <a:xfrm rot="16200000">
-            <a:off x="6213739" y="4560376"/>
-            <a:ext cx="1371599" cy="328045"/>
+            <a:off x="5794638" y="4979476"/>
+            <a:ext cx="2209801" cy="328045"/>
           </a:xfrm>
           <a:prstGeom prst="roundRect">
             <a:avLst/>
@@ -5509,6 +5511,939 @@
           </a:p>
         </p:txBody>
       </p:sp>
+      <p:sp>
+        <p:nvSpPr>
+          <p:cNvPr id="48" name="Rectangle 11">
+            <a:extLst>
+              <a:ext uri="{FF2B5EF4-FFF2-40B4-BE49-F238E27FC236}">
+                <a16:creationId xmlns:a16="http://schemas.microsoft.com/office/drawing/2014/main" id="{44BE7708-BC80-4B69-9150-6AF75B26049B}"/>
+              </a:ext>
+            </a:extLst>
+          </p:cNvPr>
+          <p:cNvSpPr/>
+          <p:nvPr/>
+        </p:nvSpPr>
+        <p:spPr>
+          <a:xfrm>
+            <a:off x="2596073" y="4424432"/>
+            <a:ext cx="1093635" cy="236841"/>
+          </a:xfrm>
+          <a:prstGeom prst="rect">
+            <a:avLst/>
+          </a:prstGeom>
+          <a:ln w="19050">
+            <a:solidFill>
+              <a:schemeClr val="accent3"/>
+            </a:solidFill>
+          </a:ln>
+          <a:effectLst/>
+        </p:spPr>
+        <p:style>
+          <a:lnRef idx="1">
+            <a:schemeClr val="accent3"/>
+          </a:lnRef>
+          <a:fillRef idx="2">
+            <a:schemeClr val="accent3"/>
+          </a:fillRef>
+          <a:effectRef idx="1">
+            <a:schemeClr val="accent3"/>
+          </a:effectRef>
+          <a:fontRef idx="minor">
+            <a:schemeClr val="dk1"/>
+          </a:fontRef>
+        </p:style>
+        <p:txBody>
+          <a:bodyPr rtlCol="0" anchor="ctr"/>
+          <a:lstStyle/>
+          <a:p>
+            <a:pPr algn="ctr"/>
+            <a:r>
+              <a:rPr lang="en-US" sz="900" b="1" dirty="0" err="1">
+                <a:solidFill>
+                  <a:schemeClr val="accent3">
+                    <a:lumMod val="75000"/>
+                  </a:schemeClr>
+                </a:solidFill>
+              </a:rPr>
+              <a:t>TaskListPanel</a:t>
+            </a:r>
+            <a:endParaRPr lang="en-SG" sz="900" b="1" dirty="0">
+              <a:solidFill>
+                <a:schemeClr val="accent3">
+                  <a:lumMod val="75000"/>
+                </a:schemeClr>
+              </a:solidFill>
+            </a:endParaRPr>
+          </a:p>
+        </p:txBody>
+      </p:sp>
+      <p:sp>
+        <p:nvSpPr>
+          <p:cNvPr id="49" name="Rectangle 11">
+            <a:extLst>
+              <a:ext uri="{FF2B5EF4-FFF2-40B4-BE49-F238E27FC236}">
+                <a16:creationId xmlns:a16="http://schemas.microsoft.com/office/drawing/2014/main" id="{8FC2F82B-C41C-452D-828F-D8A7ACD9CEC7}"/>
+              </a:ext>
+            </a:extLst>
+          </p:cNvPr>
+          <p:cNvSpPr/>
+          <p:nvPr/>
+        </p:nvSpPr>
+        <p:spPr>
+          <a:xfrm>
+            <a:off x="3842870" y="4661273"/>
+            <a:ext cx="1040906" cy="236841"/>
+          </a:xfrm>
+          <a:prstGeom prst="rect">
+            <a:avLst/>
+          </a:prstGeom>
+          <a:ln w="19050">
+            <a:solidFill>
+              <a:schemeClr val="accent3"/>
+            </a:solidFill>
+          </a:ln>
+          <a:effectLst/>
+        </p:spPr>
+        <p:style>
+          <a:lnRef idx="1">
+            <a:schemeClr val="accent3"/>
+          </a:lnRef>
+          <a:fillRef idx="2">
+            <a:schemeClr val="accent3"/>
+          </a:fillRef>
+          <a:effectRef idx="1">
+            <a:schemeClr val="accent3"/>
+          </a:effectRef>
+          <a:fontRef idx="minor">
+            <a:schemeClr val="dk1"/>
+          </a:fontRef>
+        </p:style>
+        <p:txBody>
+          <a:bodyPr rtlCol="0" anchor="ctr"/>
+          <a:lstStyle/>
+          <a:p>
+            <a:pPr algn="ctr"/>
+            <a:r>
+              <a:rPr lang="en-US" sz="1050" b="1" dirty="0" err="1">
+                <a:solidFill>
+                  <a:schemeClr val="accent3">
+                    <a:lumMod val="75000"/>
+                  </a:schemeClr>
+                </a:solidFill>
+              </a:rPr>
+              <a:t>TaskCard</a:t>
+            </a:r>
+            <a:endParaRPr lang="en-SG" sz="1050" b="1" dirty="0">
+              <a:solidFill>
+                <a:schemeClr val="accent3">
+                  <a:lumMod val="75000"/>
+                </a:schemeClr>
+              </a:solidFill>
+            </a:endParaRPr>
+          </a:p>
+        </p:txBody>
+      </p:sp>
+      <p:cxnSp>
+        <p:nvCxnSpPr>
+          <p:cNvPr id="51" name="Elbow Connector 136">
+            <a:extLst>
+              <a:ext uri="{FF2B5EF4-FFF2-40B4-BE49-F238E27FC236}">
+                <a16:creationId xmlns:a16="http://schemas.microsoft.com/office/drawing/2014/main" id="{A1E7D9A5-0006-42EC-A15B-CF0F89CAC677}"/>
+              </a:ext>
+            </a:extLst>
+          </p:cNvPr>
+          <p:cNvCxnSpPr>
+            <a:stCxn id="48" idx="2"/>
+            <a:endCxn id="49" idx="1"/>
+          </p:cNvCxnSpPr>
+          <p:nvPr/>
+        </p:nvCxnSpPr>
+        <p:spPr>
+          <a:xfrm rot="16200000" flipH="1">
+            <a:off x="3433670" y="4370493"/>
+            <a:ext cx="118421" cy="699979"/>
+          </a:xfrm>
+          <a:prstGeom prst="bentConnector2">
+            <a:avLst/>
+          </a:prstGeom>
+          <a:ln w="19050">
+            <a:solidFill>
+              <a:schemeClr val="accent3"/>
+            </a:solidFill>
+            <a:headEnd type="none" w="med" len="med"/>
+            <a:tailEnd type="arrow" w="med" len="med"/>
+          </a:ln>
+          <a:effectLst/>
+        </p:spPr>
+        <p:style>
+          <a:lnRef idx="1">
+            <a:schemeClr val="accent2"/>
+          </a:lnRef>
+          <a:fillRef idx="2">
+            <a:schemeClr val="accent2"/>
+          </a:fillRef>
+          <a:effectRef idx="1">
+            <a:schemeClr val="accent2"/>
+          </a:effectRef>
+          <a:fontRef idx="minor">
+            <a:schemeClr val="dk1"/>
+          </a:fontRef>
+        </p:style>
+      </p:cxnSp>
+      <p:sp>
+        <p:nvSpPr>
+          <p:cNvPr id="57" name="Freeform 117">
+            <a:extLst>
+              <a:ext uri="{FF2B5EF4-FFF2-40B4-BE49-F238E27FC236}">
+                <a16:creationId xmlns:a16="http://schemas.microsoft.com/office/drawing/2014/main" id="{BFF3D7E8-83B2-43AE-85BF-645250517781}"/>
+              </a:ext>
+            </a:extLst>
+          </p:cNvPr>
+          <p:cNvSpPr/>
+          <p:nvPr/>
+        </p:nvSpPr>
+        <p:spPr>
+          <a:xfrm flipV="1">
+            <a:off x="4144463" y="4912272"/>
+            <a:ext cx="2642195" cy="101600"/>
+          </a:xfrm>
+          <a:custGeom>
+            <a:avLst/>
+            <a:gdLst>
+              <a:gd name="connsiteX0" fmla="*/ 0 w 3048000"/>
+              <a:gd name="connsiteY0" fmla="*/ 203200 h 203200"/>
+              <a:gd name="connsiteX1" fmla="*/ 221673 w 3048000"/>
+              <a:gd name="connsiteY1" fmla="*/ 0 h 203200"/>
+              <a:gd name="connsiteX2" fmla="*/ 3048000 w 3048000"/>
+              <a:gd name="connsiteY2" fmla="*/ 0 h 203200"/>
+            </a:gdLst>
+            <a:ahLst/>
+            <a:cxnLst>
+              <a:cxn ang="0">
+                <a:pos x="connsiteX0" y="connsiteY0"/>
+              </a:cxn>
+              <a:cxn ang="0">
+                <a:pos x="connsiteX1" y="connsiteY1"/>
+              </a:cxn>
+              <a:cxn ang="0">
+                <a:pos x="connsiteX2" y="connsiteY2"/>
+              </a:cxn>
+            </a:cxnLst>
+            <a:rect l="l" t="t" r="r" b="b"/>
+            <a:pathLst>
+              <a:path w="3048000" h="203200">
+                <a:moveTo>
+                  <a:pt x="0" y="203200"/>
+                </a:moveTo>
+                <a:lnTo>
+                  <a:pt x="221673" y="0"/>
+                </a:lnTo>
+                <a:lnTo>
+                  <a:pt x="3048000" y="0"/>
+                </a:lnTo>
+              </a:path>
+            </a:pathLst>
+          </a:custGeom>
+          <a:noFill/>
+          <a:ln w="19050">
+            <a:solidFill>
+              <a:schemeClr val="accent3"/>
+            </a:solidFill>
+            <a:prstDash val="sysDot"/>
+            <a:headEnd type="none" w="med" len="med"/>
+            <a:tailEnd type="arrow" w="med" len="med"/>
+          </a:ln>
+          <a:effectLst/>
+        </p:spPr>
+        <p:style>
+          <a:lnRef idx="1">
+            <a:schemeClr val="accent2"/>
+          </a:lnRef>
+          <a:fillRef idx="2">
+            <a:schemeClr val="accent2"/>
+          </a:fillRef>
+          <a:effectRef idx="1">
+            <a:schemeClr val="accent2"/>
+          </a:effectRef>
+          <a:fontRef idx="minor">
+            <a:schemeClr val="dk1"/>
+          </a:fontRef>
+        </p:style>
+        <p:txBody>
+          <a:bodyPr rtlCol="0" anchor="ctr"/>
+          <a:lstStyle/>
+          <a:p>
+            <a:pPr algn="ctr"/>
+            <a:endParaRPr lang="en-SG"/>
+          </a:p>
+        </p:txBody>
+      </p:sp>
+      <p:sp>
+        <p:nvSpPr>
+          <p:cNvPr id="61" name="Rectangle 11">
+            <a:extLst>
+              <a:ext uri="{FF2B5EF4-FFF2-40B4-BE49-F238E27FC236}">
+                <a16:creationId xmlns:a16="http://schemas.microsoft.com/office/drawing/2014/main" id="{93CC4826-1733-4369-9062-7776C5CDB8BF}"/>
+              </a:ext>
+            </a:extLst>
+          </p:cNvPr>
+          <p:cNvSpPr/>
+          <p:nvPr/>
+        </p:nvSpPr>
+        <p:spPr>
+          <a:xfrm>
+            <a:off x="2615366" y="4846262"/>
+            <a:ext cx="1093635" cy="236841"/>
+          </a:xfrm>
+          <a:prstGeom prst="rect">
+            <a:avLst/>
+          </a:prstGeom>
+          <a:ln w="19050">
+            <a:solidFill>
+              <a:schemeClr val="accent3"/>
+            </a:solidFill>
+          </a:ln>
+          <a:effectLst/>
+        </p:spPr>
+        <p:style>
+          <a:lnRef idx="1">
+            <a:schemeClr val="accent3"/>
+          </a:lnRef>
+          <a:fillRef idx="2">
+            <a:schemeClr val="accent3"/>
+          </a:fillRef>
+          <a:effectRef idx="1">
+            <a:schemeClr val="accent3"/>
+          </a:effectRef>
+          <a:fontRef idx="minor">
+            <a:schemeClr val="dk1"/>
+          </a:fontRef>
+        </p:style>
+        <p:txBody>
+          <a:bodyPr rtlCol="0" anchor="ctr"/>
+          <a:lstStyle/>
+          <a:p>
+            <a:pPr algn="ctr"/>
+            <a:r>
+              <a:rPr lang="en-US" sz="900" b="1" dirty="0" err="1">
+                <a:solidFill>
+                  <a:schemeClr val="accent3">
+                    <a:lumMod val="75000"/>
+                  </a:schemeClr>
+                </a:solidFill>
+              </a:rPr>
+              <a:t>PollListPanel</a:t>
+            </a:r>
+            <a:endParaRPr lang="en-SG" sz="900" b="1" dirty="0">
+              <a:solidFill>
+                <a:schemeClr val="accent3">
+                  <a:lumMod val="75000"/>
+                </a:schemeClr>
+              </a:solidFill>
+            </a:endParaRPr>
+          </a:p>
+        </p:txBody>
+      </p:sp>
+      <p:sp>
+        <p:nvSpPr>
+          <p:cNvPr id="62" name="Rectangle 11">
+            <a:extLst>
+              <a:ext uri="{FF2B5EF4-FFF2-40B4-BE49-F238E27FC236}">
+                <a16:creationId xmlns:a16="http://schemas.microsoft.com/office/drawing/2014/main" id="{DD26D12E-9F9B-4078-8DCB-B239634BFE9E}"/>
+              </a:ext>
+            </a:extLst>
+          </p:cNvPr>
+          <p:cNvSpPr/>
+          <p:nvPr/>
+        </p:nvSpPr>
+        <p:spPr>
+          <a:xfrm>
+            <a:off x="3862163" y="5083103"/>
+            <a:ext cx="1040906" cy="236841"/>
+          </a:xfrm>
+          <a:prstGeom prst="rect">
+            <a:avLst/>
+          </a:prstGeom>
+          <a:ln w="19050">
+            <a:solidFill>
+              <a:schemeClr val="accent3"/>
+            </a:solidFill>
+          </a:ln>
+          <a:effectLst/>
+        </p:spPr>
+        <p:style>
+          <a:lnRef idx="1">
+            <a:schemeClr val="accent3"/>
+          </a:lnRef>
+          <a:fillRef idx="2">
+            <a:schemeClr val="accent3"/>
+          </a:fillRef>
+          <a:effectRef idx="1">
+            <a:schemeClr val="accent3"/>
+          </a:effectRef>
+          <a:fontRef idx="minor">
+            <a:schemeClr val="dk1"/>
+          </a:fontRef>
+        </p:style>
+        <p:txBody>
+          <a:bodyPr rtlCol="0" anchor="ctr"/>
+          <a:lstStyle/>
+          <a:p>
+            <a:pPr algn="ctr"/>
+            <a:r>
+              <a:rPr lang="en-US" sz="1050" b="1" dirty="0" err="1">
+                <a:solidFill>
+                  <a:schemeClr val="accent3">
+                    <a:lumMod val="75000"/>
+                  </a:schemeClr>
+                </a:solidFill>
+              </a:rPr>
+              <a:t>PollCard</a:t>
+            </a:r>
+            <a:endParaRPr lang="en-SG" sz="1050" b="1" dirty="0">
+              <a:solidFill>
+                <a:schemeClr val="accent3">
+                  <a:lumMod val="75000"/>
+                </a:schemeClr>
+              </a:solidFill>
+            </a:endParaRPr>
+          </a:p>
+        </p:txBody>
+      </p:sp>
+      <p:cxnSp>
+        <p:nvCxnSpPr>
+          <p:cNvPr id="63" name="Elbow Connector 136">
+            <a:extLst>
+              <a:ext uri="{FF2B5EF4-FFF2-40B4-BE49-F238E27FC236}">
+                <a16:creationId xmlns:a16="http://schemas.microsoft.com/office/drawing/2014/main" id="{11920ABE-EE32-4892-8F82-4CBB141611CF}"/>
+              </a:ext>
+            </a:extLst>
+          </p:cNvPr>
+          <p:cNvCxnSpPr>
+            <a:stCxn id="61" idx="2"/>
+            <a:endCxn id="62" idx="1"/>
+          </p:cNvCxnSpPr>
+          <p:nvPr/>
+        </p:nvCxnSpPr>
+        <p:spPr>
+          <a:xfrm rot="16200000" flipH="1">
+            <a:off x="3452963" y="4792323"/>
+            <a:ext cx="118421" cy="699979"/>
+          </a:xfrm>
+          <a:prstGeom prst="bentConnector2">
+            <a:avLst/>
+          </a:prstGeom>
+          <a:ln w="19050">
+            <a:solidFill>
+              <a:schemeClr val="accent3"/>
+            </a:solidFill>
+            <a:headEnd type="none" w="med" len="med"/>
+            <a:tailEnd type="arrow" w="med" len="med"/>
+          </a:ln>
+          <a:effectLst/>
+        </p:spPr>
+        <p:style>
+          <a:lnRef idx="1">
+            <a:schemeClr val="accent2"/>
+          </a:lnRef>
+          <a:fillRef idx="2">
+            <a:schemeClr val="accent2"/>
+          </a:fillRef>
+          <a:effectRef idx="1">
+            <a:schemeClr val="accent2"/>
+          </a:effectRef>
+          <a:fontRef idx="minor">
+            <a:schemeClr val="dk1"/>
+          </a:fontRef>
+        </p:style>
+      </p:cxnSp>
+      <p:sp>
+        <p:nvSpPr>
+          <p:cNvPr id="64" name="Freeform 117">
+            <a:extLst>
+              <a:ext uri="{FF2B5EF4-FFF2-40B4-BE49-F238E27FC236}">
+                <a16:creationId xmlns:a16="http://schemas.microsoft.com/office/drawing/2014/main" id="{7C3AF0F2-FF06-4A32-903E-6CD4CB9E72FD}"/>
+              </a:ext>
+            </a:extLst>
+          </p:cNvPr>
+          <p:cNvSpPr/>
+          <p:nvPr/>
+        </p:nvSpPr>
+        <p:spPr>
+          <a:xfrm flipV="1">
+            <a:off x="4163756" y="5334102"/>
+            <a:ext cx="2642195" cy="101600"/>
+          </a:xfrm>
+          <a:custGeom>
+            <a:avLst/>
+            <a:gdLst>
+              <a:gd name="connsiteX0" fmla="*/ 0 w 3048000"/>
+              <a:gd name="connsiteY0" fmla="*/ 203200 h 203200"/>
+              <a:gd name="connsiteX1" fmla="*/ 221673 w 3048000"/>
+              <a:gd name="connsiteY1" fmla="*/ 0 h 203200"/>
+              <a:gd name="connsiteX2" fmla="*/ 3048000 w 3048000"/>
+              <a:gd name="connsiteY2" fmla="*/ 0 h 203200"/>
+            </a:gdLst>
+            <a:ahLst/>
+            <a:cxnLst>
+              <a:cxn ang="0">
+                <a:pos x="connsiteX0" y="connsiteY0"/>
+              </a:cxn>
+              <a:cxn ang="0">
+                <a:pos x="connsiteX1" y="connsiteY1"/>
+              </a:cxn>
+              <a:cxn ang="0">
+                <a:pos x="connsiteX2" y="connsiteY2"/>
+              </a:cxn>
+            </a:cxnLst>
+            <a:rect l="l" t="t" r="r" b="b"/>
+            <a:pathLst>
+              <a:path w="3048000" h="203200">
+                <a:moveTo>
+                  <a:pt x="0" y="203200"/>
+                </a:moveTo>
+                <a:lnTo>
+                  <a:pt x="221673" y="0"/>
+                </a:lnTo>
+                <a:lnTo>
+                  <a:pt x="3048000" y="0"/>
+                </a:lnTo>
+              </a:path>
+            </a:pathLst>
+          </a:custGeom>
+          <a:noFill/>
+          <a:ln w="19050">
+            <a:solidFill>
+              <a:schemeClr val="accent3"/>
+            </a:solidFill>
+            <a:prstDash val="sysDot"/>
+            <a:headEnd type="none" w="med" len="med"/>
+            <a:tailEnd type="arrow" w="med" len="med"/>
+          </a:ln>
+          <a:effectLst/>
+        </p:spPr>
+        <p:style>
+          <a:lnRef idx="1">
+            <a:schemeClr val="accent2"/>
+          </a:lnRef>
+          <a:fillRef idx="2">
+            <a:schemeClr val="accent2"/>
+          </a:fillRef>
+          <a:effectRef idx="1">
+            <a:schemeClr val="accent2"/>
+          </a:effectRef>
+          <a:fontRef idx="minor">
+            <a:schemeClr val="dk1"/>
+          </a:fontRef>
+        </p:style>
+        <p:txBody>
+          <a:bodyPr rtlCol="0" anchor="ctr"/>
+          <a:lstStyle/>
+          <a:p>
+            <a:pPr algn="ctr"/>
+            <a:endParaRPr lang="en-SG"/>
+          </a:p>
+        </p:txBody>
+      </p:sp>
+      <p:sp>
+        <p:nvSpPr>
+          <p:cNvPr id="70" name="Rectangle 11">
+            <a:extLst>
+              <a:ext uri="{FF2B5EF4-FFF2-40B4-BE49-F238E27FC236}">
+                <a16:creationId xmlns:a16="http://schemas.microsoft.com/office/drawing/2014/main" id="{9B35C03C-9963-41E0-8353-BB03CFEC8BA5}"/>
+              </a:ext>
+            </a:extLst>
+          </p:cNvPr>
+          <p:cNvSpPr/>
+          <p:nvPr/>
+        </p:nvSpPr>
+        <p:spPr>
+          <a:xfrm>
+            <a:off x="2615366" y="5370656"/>
+            <a:ext cx="1093635" cy="236841"/>
+          </a:xfrm>
+          <a:prstGeom prst="rect">
+            <a:avLst/>
+          </a:prstGeom>
+          <a:ln w="19050">
+            <a:solidFill>
+              <a:schemeClr val="accent3"/>
+            </a:solidFill>
+          </a:ln>
+          <a:effectLst/>
+        </p:spPr>
+        <p:style>
+          <a:lnRef idx="1">
+            <a:schemeClr val="accent3"/>
+          </a:lnRef>
+          <a:fillRef idx="2">
+            <a:schemeClr val="accent3"/>
+          </a:fillRef>
+          <a:effectRef idx="1">
+            <a:schemeClr val="accent3"/>
+          </a:effectRef>
+          <a:fontRef idx="minor">
+            <a:schemeClr val="dk1"/>
+          </a:fontRef>
+        </p:style>
+        <p:txBody>
+          <a:bodyPr rtlCol="0" anchor="ctr"/>
+          <a:lstStyle/>
+          <a:p>
+            <a:pPr algn="ctr"/>
+            <a:r>
+              <a:rPr lang="en-US" sz="900" b="1" dirty="0" err="1">
+                <a:solidFill>
+                  <a:schemeClr val="accent3">
+                    <a:lumMod val="75000"/>
+                  </a:schemeClr>
+                </a:solidFill>
+              </a:rPr>
+              <a:t>AnswerListPanel</a:t>
+            </a:r>
+            <a:endParaRPr lang="en-SG" sz="900" b="1" dirty="0">
+              <a:solidFill>
+                <a:schemeClr val="accent3">
+                  <a:lumMod val="75000"/>
+                </a:schemeClr>
+              </a:solidFill>
+            </a:endParaRPr>
+          </a:p>
+        </p:txBody>
+      </p:sp>
+      <p:sp>
+        <p:nvSpPr>
+          <p:cNvPr id="71" name="Rectangle 11">
+            <a:extLst>
+              <a:ext uri="{FF2B5EF4-FFF2-40B4-BE49-F238E27FC236}">
+                <a16:creationId xmlns:a16="http://schemas.microsoft.com/office/drawing/2014/main" id="{6AF88CA8-208A-4D4C-8307-8A082479A273}"/>
+              </a:ext>
+            </a:extLst>
+          </p:cNvPr>
+          <p:cNvSpPr/>
+          <p:nvPr/>
+        </p:nvSpPr>
+        <p:spPr>
+          <a:xfrm>
+            <a:off x="3862163" y="5607497"/>
+            <a:ext cx="1040906" cy="236841"/>
+          </a:xfrm>
+          <a:prstGeom prst="rect">
+            <a:avLst/>
+          </a:prstGeom>
+          <a:ln w="19050">
+            <a:solidFill>
+              <a:schemeClr val="accent3"/>
+            </a:solidFill>
+          </a:ln>
+          <a:effectLst/>
+        </p:spPr>
+        <p:style>
+          <a:lnRef idx="1">
+            <a:schemeClr val="accent3"/>
+          </a:lnRef>
+          <a:fillRef idx="2">
+            <a:schemeClr val="accent3"/>
+          </a:fillRef>
+          <a:effectRef idx="1">
+            <a:schemeClr val="accent3"/>
+          </a:effectRef>
+          <a:fontRef idx="minor">
+            <a:schemeClr val="dk1"/>
+          </a:fontRef>
+        </p:style>
+        <p:txBody>
+          <a:bodyPr rtlCol="0" anchor="ctr"/>
+          <a:lstStyle/>
+          <a:p>
+            <a:pPr algn="ctr"/>
+            <a:r>
+              <a:rPr lang="en-US" sz="1050" b="1" dirty="0" err="1">
+                <a:solidFill>
+                  <a:schemeClr val="accent3">
+                    <a:lumMod val="75000"/>
+                  </a:schemeClr>
+                </a:solidFill>
+              </a:rPr>
+              <a:t>AnswerCard</a:t>
+            </a:r>
+            <a:endParaRPr lang="en-SG" sz="1050" b="1" dirty="0">
+              <a:solidFill>
+                <a:schemeClr val="accent3">
+                  <a:lumMod val="75000"/>
+                </a:schemeClr>
+              </a:solidFill>
+            </a:endParaRPr>
+          </a:p>
+        </p:txBody>
+      </p:sp>
+      <p:cxnSp>
+        <p:nvCxnSpPr>
+          <p:cNvPr id="72" name="Elbow Connector 136">
+            <a:extLst>
+              <a:ext uri="{FF2B5EF4-FFF2-40B4-BE49-F238E27FC236}">
+                <a16:creationId xmlns:a16="http://schemas.microsoft.com/office/drawing/2014/main" id="{FD541722-8E6A-4CA3-A11A-7E40AED59538}"/>
+              </a:ext>
+            </a:extLst>
+          </p:cNvPr>
+          <p:cNvCxnSpPr>
+            <a:stCxn id="70" idx="2"/>
+            <a:endCxn id="71" idx="1"/>
+          </p:cNvCxnSpPr>
+          <p:nvPr/>
+        </p:nvCxnSpPr>
+        <p:spPr>
+          <a:xfrm rot="16200000" flipH="1">
+            <a:off x="3452963" y="5316717"/>
+            <a:ext cx="118421" cy="699979"/>
+          </a:xfrm>
+          <a:prstGeom prst="bentConnector2">
+            <a:avLst/>
+          </a:prstGeom>
+          <a:ln w="19050">
+            <a:solidFill>
+              <a:schemeClr val="accent3"/>
+            </a:solidFill>
+            <a:headEnd type="none" w="med" len="med"/>
+            <a:tailEnd type="arrow" w="med" len="med"/>
+          </a:ln>
+          <a:effectLst/>
+        </p:spPr>
+        <p:style>
+          <a:lnRef idx="1">
+            <a:schemeClr val="accent2"/>
+          </a:lnRef>
+          <a:fillRef idx="2">
+            <a:schemeClr val="accent2"/>
+          </a:fillRef>
+          <a:effectRef idx="1">
+            <a:schemeClr val="accent2"/>
+          </a:effectRef>
+          <a:fontRef idx="minor">
+            <a:schemeClr val="dk1"/>
+          </a:fontRef>
+        </p:style>
+      </p:cxnSp>
+      <p:sp>
+        <p:nvSpPr>
+          <p:cNvPr id="75" name="Freeform 117">
+            <a:extLst>
+              <a:ext uri="{FF2B5EF4-FFF2-40B4-BE49-F238E27FC236}">
+                <a16:creationId xmlns:a16="http://schemas.microsoft.com/office/drawing/2014/main" id="{026FE58F-B04A-4121-AEFE-A3407BB72256}"/>
+              </a:ext>
+            </a:extLst>
+          </p:cNvPr>
+          <p:cNvSpPr/>
+          <p:nvPr/>
+        </p:nvSpPr>
+        <p:spPr>
+          <a:xfrm flipV="1">
+            <a:off x="4163756" y="5858496"/>
+            <a:ext cx="2642195" cy="101600"/>
+          </a:xfrm>
+          <a:custGeom>
+            <a:avLst/>
+            <a:gdLst>
+              <a:gd name="connsiteX0" fmla="*/ 0 w 3048000"/>
+              <a:gd name="connsiteY0" fmla="*/ 203200 h 203200"/>
+              <a:gd name="connsiteX1" fmla="*/ 221673 w 3048000"/>
+              <a:gd name="connsiteY1" fmla="*/ 0 h 203200"/>
+              <a:gd name="connsiteX2" fmla="*/ 3048000 w 3048000"/>
+              <a:gd name="connsiteY2" fmla="*/ 0 h 203200"/>
+            </a:gdLst>
+            <a:ahLst/>
+            <a:cxnLst>
+              <a:cxn ang="0">
+                <a:pos x="connsiteX0" y="connsiteY0"/>
+              </a:cxn>
+              <a:cxn ang="0">
+                <a:pos x="connsiteX1" y="connsiteY1"/>
+              </a:cxn>
+              <a:cxn ang="0">
+                <a:pos x="connsiteX2" y="connsiteY2"/>
+              </a:cxn>
+            </a:cxnLst>
+            <a:rect l="l" t="t" r="r" b="b"/>
+            <a:pathLst>
+              <a:path w="3048000" h="203200">
+                <a:moveTo>
+                  <a:pt x="0" y="203200"/>
+                </a:moveTo>
+                <a:lnTo>
+                  <a:pt x="221673" y="0"/>
+                </a:lnTo>
+                <a:lnTo>
+                  <a:pt x="3048000" y="0"/>
+                </a:lnTo>
+              </a:path>
+            </a:pathLst>
+          </a:custGeom>
+          <a:noFill/>
+          <a:ln w="19050">
+            <a:solidFill>
+              <a:schemeClr val="accent3"/>
+            </a:solidFill>
+            <a:prstDash val="sysDot"/>
+            <a:headEnd type="none" w="med" len="med"/>
+            <a:tailEnd type="arrow" w="med" len="med"/>
+          </a:ln>
+          <a:effectLst/>
+        </p:spPr>
+        <p:style>
+          <a:lnRef idx="1">
+            <a:schemeClr val="accent2"/>
+          </a:lnRef>
+          <a:fillRef idx="2">
+            <a:schemeClr val="accent2"/>
+          </a:fillRef>
+          <a:effectRef idx="1">
+            <a:schemeClr val="accent2"/>
+          </a:effectRef>
+          <a:fontRef idx="minor">
+            <a:schemeClr val="dk1"/>
+          </a:fontRef>
+        </p:style>
+        <p:txBody>
+          <a:bodyPr rtlCol="0" anchor="ctr"/>
+          <a:lstStyle/>
+          <a:p>
+            <a:pPr algn="ctr"/>
+            <a:endParaRPr lang="en-SG"/>
+          </a:p>
+        </p:txBody>
+      </p:sp>
+      <p:cxnSp>
+        <p:nvCxnSpPr>
+          <p:cNvPr id="76" name="Elbow Connector 63">
+            <a:extLst>
+              <a:ext uri="{FF2B5EF4-FFF2-40B4-BE49-F238E27FC236}">
+                <a16:creationId xmlns:a16="http://schemas.microsoft.com/office/drawing/2014/main" id="{CC85C33B-31CD-43BC-8523-1C4CCE3F0EF5}"/>
+              </a:ext>
+            </a:extLst>
+          </p:cNvPr>
+          <p:cNvCxnSpPr/>
+          <p:nvPr/>
+        </p:nvCxnSpPr>
+        <p:spPr>
+          <a:xfrm rot="5400000">
+            <a:off x="4171059" y="3461327"/>
+            <a:ext cx="2061222" cy="649740"/>
+          </a:xfrm>
+          <a:prstGeom prst="bentConnector2">
+            <a:avLst/>
+          </a:prstGeom>
+          <a:ln w="6350">
+            <a:solidFill>
+              <a:schemeClr val="accent3"/>
+            </a:solidFill>
+            <a:headEnd type="none" w="med" len="med"/>
+            <a:tailEnd type="none" w="med" len="med"/>
+          </a:ln>
+          <a:effectLst/>
+        </p:spPr>
+        <p:style>
+          <a:lnRef idx="1">
+            <a:schemeClr val="accent2"/>
+          </a:lnRef>
+          <a:fillRef idx="2">
+            <a:schemeClr val="accent2"/>
+          </a:fillRef>
+          <a:effectRef idx="1">
+            <a:schemeClr val="accent2"/>
+          </a:effectRef>
+          <a:fontRef idx="minor">
+            <a:schemeClr val="dk1"/>
+          </a:fontRef>
+        </p:style>
+      </p:cxnSp>
+      <p:cxnSp>
+        <p:nvCxnSpPr>
+          <p:cNvPr id="78" name="Elbow Connector 63">
+            <a:extLst>
+              <a:ext uri="{FF2B5EF4-FFF2-40B4-BE49-F238E27FC236}">
+                <a16:creationId xmlns:a16="http://schemas.microsoft.com/office/drawing/2014/main" id="{CAD4BECC-3CA4-42C6-8570-29C97525BF03}"/>
+              </a:ext>
+            </a:extLst>
+          </p:cNvPr>
+          <p:cNvCxnSpPr/>
+          <p:nvPr/>
+        </p:nvCxnSpPr>
+        <p:spPr>
+          <a:xfrm rot="5400000">
+            <a:off x="4177075" y="3872201"/>
+            <a:ext cx="2061222" cy="649740"/>
+          </a:xfrm>
+          <a:prstGeom prst="bentConnector2">
+            <a:avLst/>
+          </a:prstGeom>
+          <a:ln w="6350">
+            <a:solidFill>
+              <a:schemeClr val="accent3"/>
+            </a:solidFill>
+            <a:headEnd type="none" w="med" len="med"/>
+            <a:tailEnd type="none" w="med" len="med"/>
+          </a:ln>
+          <a:effectLst/>
+        </p:spPr>
+        <p:style>
+          <a:lnRef idx="1">
+            <a:schemeClr val="accent2"/>
+          </a:lnRef>
+          <a:fillRef idx="2">
+            <a:schemeClr val="accent2"/>
+          </a:fillRef>
+          <a:effectRef idx="1">
+            <a:schemeClr val="accent2"/>
+          </a:effectRef>
+          <a:fontRef idx="minor">
+            <a:schemeClr val="dk1"/>
+          </a:fontRef>
+        </p:style>
+      </p:cxnSp>
+      <p:cxnSp>
+        <p:nvCxnSpPr>
+          <p:cNvPr id="79" name="Elbow Connector 63">
+            <a:extLst>
+              <a:ext uri="{FF2B5EF4-FFF2-40B4-BE49-F238E27FC236}">
+                <a16:creationId xmlns:a16="http://schemas.microsoft.com/office/drawing/2014/main" id="{7261A126-09C8-4DF2-8E68-5D274A9F15DC}"/>
+              </a:ext>
+            </a:extLst>
+          </p:cNvPr>
+          <p:cNvCxnSpPr/>
+          <p:nvPr/>
+        </p:nvCxnSpPr>
+        <p:spPr>
+          <a:xfrm rot="5400000">
+            <a:off x="4171059" y="4363341"/>
+            <a:ext cx="2061222" cy="649740"/>
+          </a:xfrm>
+          <a:prstGeom prst="bentConnector2">
+            <a:avLst/>
+          </a:prstGeom>
+          <a:ln w="6350">
+            <a:solidFill>
+              <a:schemeClr val="accent3"/>
+            </a:solidFill>
+            <a:headEnd type="none" w="med" len="med"/>
+            <a:tailEnd type="none" w="med" len="med"/>
+          </a:ln>
+          <a:effectLst/>
+        </p:spPr>
+        <p:style>
+          <a:lnRef idx="1">
+            <a:schemeClr val="accent2"/>
+          </a:lnRef>
+          <a:fillRef idx="2">
+            <a:schemeClr val="accent2"/>
+          </a:fillRef>
+          <a:effectRef idx="1">
+            <a:schemeClr val="accent2"/>
+          </a:effectRef>
+          <a:fontRef idx="minor">
+            <a:schemeClr val="dk1"/>
+          </a:fontRef>
+        </p:style>
+      </p:cxnSp>
     </p:spTree>
     <p:extLst>
       <p:ext uri="{BB962C8B-B14F-4D97-AF65-F5344CB8AC3E}">
